--- a/budget_presentation_2017/budget_2017.pptx
+++ b/budget_presentation_2017/budget_2017.pptx
@@ -104,6 +104,11 @@
       </a:defRPr>
     </a:lvl9pPr>
   </p:defaultTextStyle>
+  <p:extLst>
+    <p:ext uri="{EFAFB233-063F-42B5-8137-9DF3F51BA10A}">
+      <p15:sldGuideLst xmlns:p15="http://schemas.microsoft.com/office/powerpoint/2012/main"/>
+    </p:ext>
+  </p:extLst>
 </p:presentation>
 </file>
 
@@ -238,7 +243,7 @@
           <a:p>
             <a:fld id="{2DFA77FA-C239-4321-AF2B-EBA8AB5E9241}" type="datetimeFigureOut">
               <a:rPr kumimoji="1" lang="ja-JP" altLang="en-US" smtClean="0"/>
-              <a:t>2017/3/30</a:t>
+              <a:t>2017/4/1</a:t>
             </a:fld>
             <a:endParaRPr kumimoji="1" lang="ja-JP" altLang="en-US"/>
           </a:p>
@@ -440,7 +445,7 @@
           <a:p>
             <a:fld id="{2DFA77FA-C239-4321-AF2B-EBA8AB5E9241}" type="datetimeFigureOut">
               <a:rPr kumimoji="1" lang="ja-JP" altLang="en-US" smtClean="0"/>
-              <a:t>2017/3/30</a:t>
+              <a:t>2017/4/1</a:t>
             </a:fld>
             <a:endParaRPr kumimoji="1" lang="ja-JP" altLang="en-US"/>
           </a:p>
@@ -652,7 +657,7 @@
           <a:p>
             <a:fld id="{2DFA77FA-C239-4321-AF2B-EBA8AB5E9241}" type="datetimeFigureOut">
               <a:rPr kumimoji="1" lang="ja-JP" altLang="en-US" smtClean="0"/>
-              <a:t>2017/3/30</a:t>
+              <a:t>2017/4/1</a:t>
             </a:fld>
             <a:endParaRPr kumimoji="1" lang="ja-JP" altLang="en-US"/>
           </a:p>
@@ -854,7 +859,7 @@
           <a:p>
             <a:fld id="{2DFA77FA-C239-4321-AF2B-EBA8AB5E9241}" type="datetimeFigureOut">
               <a:rPr kumimoji="1" lang="ja-JP" altLang="en-US" smtClean="0"/>
-              <a:t>2017/3/30</a:t>
+              <a:t>2017/4/1</a:t>
             </a:fld>
             <a:endParaRPr kumimoji="1" lang="ja-JP" altLang="en-US"/>
           </a:p>
@@ -1100,7 +1105,7 @@
           <a:p>
             <a:fld id="{2DFA77FA-C239-4321-AF2B-EBA8AB5E9241}" type="datetimeFigureOut">
               <a:rPr kumimoji="1" lang="ja-JP" altLang="en-US" smtClean="0"/>
-              <a:t>2017/3/30</a:t>
+              <a:t>2017/4/1</a:t>
             </a:fld>
             <a:endParaRPr kumimoji="1" lang="ja-JP" altLang="en-US"/>
           </a:p>
@@ -1396,7 +1401,7 @@
           <a:p>
             <a:fld id="{2DFA77FA-C239-4321-AF2B-EBA8AB5E9241}" type="datetimeFigureOut">
               <a:rPr kumimoji="1" lang="ja-JP" altLang="en-US" smtClean="0"/>
-              <a:t>2017/3/30</a:t>
+              <a:t>2017/4/1</a:t>
             </a:fld>
             <a:endParaRPr kumimoji="1" lang="ja-JP" altLang="en-US"/>
           </a:p>
@@ -1827,7 +1832,7 @@
           <a:p>
             <a:fld id="{2DFA77FA-C239-4321-AF2B-EBA8AB5E9241}" type="datetimeFigureOut">
               <a:rPr kumimoji="1" lang="ja-JP" altLang="en-US" smtClean="0"/>
-              <a:t>2017/3/30</a:t>
+              <a:t>2017/4/1</a:t>
             </a:fld>
             <a:endParaRPr kumimoji="1" lang="ja-JP" altLang="en-US"/>
           </a:p>
@@ -1945,7 +1950,7 @@
           <a:p>
             <a:fld id="{2DFA77FA-C239-4321-AF2B-EBA8AB5E9241}" type="datetimeFigureOut">
               <a:rPr kumimoji="1" lang="ja-JP" altLang="en-US" smtClean="0"/>
-              <a:t>2017/3/30</a:t>
+              <a:t>2017/4/1</a:t>
             </a:fld>
             <a:endParaRPr kumimoji="1" lang="ja-JP" altLang="en-US"/>
           </a:p>
@@ -2040,7 +2045,7 @@
           <a:p>
             <a:fld id="{2DFA77FA-C239-4321-AF2B-EBA8AB5E9241}" type="datetimeFigureOut">
               <a:rPr kumimoji="1" lang="ja-JP" altLang="en-US" smtClean="0"/>
-              <a:t>2017/3/30</a:t>
+              <a:t>2017/4/1</a:t>
             </a:fld>
             <a:endParaRPr kumimoji="1" lang="ja-JP" altLang="en-US"/>
           </a:p>
@@ -2349,7 +2354,7 @@
           <a:p>
             <a:fld id="{2DFA77FA-C239-4321-AF2B-EBA8AB5E9241}" type="datetimeFigureOut">
               <a:rPr kumimoji="1" lang="ja-JP" altLang="en-US" smtClean="0"/>
-              <a:t>2017/3/30</a:t>
+              <a:t>2017/4/1</a:t>
             </a:fld>
             <a:endParaRPr kumimoji="1" lang="ja-JP" altLang="en-US"/>
           </a:p>
@@ -2602,7 +2607,7 @@
           <a:p>
             <a:fld id="{2DFA77FA-C239-4321-AF2B-EBA8AB5E9241}" type="datetimeFigureOut">
               <a:rPr kumimoji="1" lang="ja-JP" altLang="en-US" smtClean="0"/>
-              <a:t>2017/3/30</a:t>
+              <a:t>2017/4/1</a:t>
             </a:fld>
             <a:endParaRPr kumimoji="1" lang="ja-JP" altLang="en-US"/>
           </a:p>
@@ -2847,7 +2852,7 @@
           <a:p>
             <a:fld id="{2DFA77FA-C239-4321-AF2B-EBA8AB5E9241}" type="datetimeFigureOut">
               <a:rPr kumimoji="1" lang="ja-JP" altLang="en-US" smtClean="0"/>
-              <a:t>2017/3/30</a:t>
+              <a:t>2017/4/1</a:t>
             </a:fld>
             <a:endParaRPr kumimoji="1" lang="ja-JP" altLang="en-US"/>
           </a:p>
@@ -3344,76 +3349,16 @@
         <a:srgbClr val="954F72"/>
       </a:folHlink>
     </a:clrScheme>
-    <a:fontScheme name="Office">
+    <a:fontScheme name="ユーザー定義 2">
       <a:majorFont>
-        <a:latin typeface="游ゴシック Light" panose="020F0302020204030204"/>
-        <a:ea typeface=""/>
+        <a:latin typeface="Segoe UI"/>
+        <a:ea typeface="メイリオ"/>
         <a:cs typeface=""/>
-        <a:font script="Jpan" typeface="游ゴシック Light"/>
-        <a:font script="Hang" typeface="맑은 고딕"/>
-        <a:font script="Hans" typeface="等线 Light"/>
-        <a:font script="Hant" typeface="新細明體"/>
-        <a:font script="Arab" typeface="Times New Roman"/>
-        <a:font script="Hebr" typeface="Times New Roman"/>
-        <a:font script="Thai" typeface="Angsana New"/>
-        <a:font script="Ethi" typeface="Nyala"/>
-        <a:font script="Beng" typeface="Vrinda"/>
-        <a:font script="Gujr" typeface="Shruti"/>
-        <a:font script="Khmr" typeface="MoolBoran"/>
-        <a:font script="Knda" typeface="Tunga"/>
-        <a:font script="Guru" typeface="Raavi"/>
-        <a:font script="Cans" typeface="Euphemia"/>
-        <a:font script="Cher" typeface="Plantagenet Cherokee"/>
-        <a:font script="Yiii" typeface="Microsoft Yi Baiti"/>
-        <a:font script="Tibt" typeface="Microsoft Himalaya"/>
-        <a:font script="Thaa" typeface="MV Boli"/>
-        <a:font script="Deva" typeface="Mangal"/>
-        <a:font script="Telu" typeface="Gautami"/>
-        <a:font script="Taml" typeface="Latha"/>
-        <a:font script="Syrc" typeface="Estrangelo Edessa"/>
-        <a:font script="Orya" typeface="Kalinga"/>
-        <a:font script="Mlym" typeface="Kartika"/>
-        <a:font script="Laoo" typeface="DokChampa"/>
-        <a:font script="Sinh" typeface="Iskoola Pota"/>
-        <a:font script="Mong" typeface="Mongolian Baiti"/>
-        <a:font script="Viet" typeface="Times New Roman"/>
-        <a:font script="Uigh" typeface="Microsoft Uighur"/>
-        <a:font script="Geor" typeface="Sylfaen"/>
       </a:majorFont>
       <a:minorFont>
-        <a:latin typeface="游ゴシック" panose="020F0502020204030204"/>
-        <a:ea typeface=""/>
+        <a:latin typeface="Segoe UI"/>
+        <a:ea typeface="メイリオ"/>
         <a:cs typeface=""/>
-        <a:font script="Jpan" typeface="游ゴシック"/>
-        <a:font script="Hang" typeface="맑은 고딕"/>
-        <a:font script="Hans" typeface="等线"/>
-        <a:font script="Hant" typeface="新細明體"/>
-        <a:font script="Arab" typeface="Arial"/>
-        <a:font script="Hebr" typeface="Arial"/>
-        <a:font script="Thai" typeface="Cordia New"/>
-        <a:font script="Ethi" typeface="Nyala"/>
-        <a:font script="Beng" typeface="Vrinda"/>
-        <a:font script="Gujr" typeface="Shruti"/>
-        <a:font script="Khmr" typeface="DaunPenh"/>
-        <a:font script="Knda" typeface="Tunga"/>
-        <a:font script="Guru" typeface="Raavi"/>
-        <a:font script="Cans" typeface="Euphemia"/>
-        <a:font script="Cher" typeface="Plantagenet Cherokee"/>
-        <a:font script="Yiii" typeface="Microsoft Yi Baiti"/>
-        <a:font script="Tibt" typeface="Microsoft Himalaya"/>
-        <a:font script="Thaa" typeface="MV Boli"/>
-        <a:font script="Deva" typeface="Mangal"/>
-        <a:font script="Telu" typeface="Gautami"/>
-        <a:font script="Taml" typeface="Latha"/>
-        <a:font script="Syrc" typeface="Estrangelo Edessa"/>
-        <a:font script="Orya" typeface="Kalinga"/>
-        <a:font script="Mlym" typeface="Kartika"/>
-        <a:font script="Laoo" typeface="DokChampa"/>
-        <a:font script="Sinh" typeface="Iskoola Pota"/>
-        <a:font script="Mong" typeface="Mongolian Baiti"/>
-        <a:font script="Viet" typeface="Arial"/>
-        <a:font script="Uigh" typeface="Microsoft Uighur"/>
-        <a:font script="Geor" typeface="Sylfaen"/>
       </a:minorFont>
     </a:fontScheme>
     <a:fmtScheme name="Office">
